--- a/ChipManualGenerationSogt/resources/files/T_MML806_V3.pptx
+++ b/ChipManualGenerationSogt/resources/files/T_MML806_V3.pptx
@@ -259,7 +259,7 @@
             <a:fld id="{0F9B84EA-7D68-4D60-9CB1-D50884785D1C}" type="datetimeFigureOut">
               <a:rPr lang="zh-CN" altLang="en-US" smtClean="0"/>
               <a:pPr/>
-              <a:t>2025/10/16</a:t>
+              <a:t>2025/11/11</a:t>
             </a:fld>
             <a:endParaRPr lang="zh-CN" altLang="en-US"/>
           </a:p>
@@ -426,7 +426,7 @@
             <a:fld id="{2BE6DBB6-2952-4A93-9974-C9B86C7988FE}" type="datetimeFigureOut">
               <a:rPr lang="en-US" altLang="zh-CN"/>
               <a:pPr/>
-              <a:t>10/16/2025</a:t>
+              <a:t>11/11/2025</a:t>
             </a:fld>
             <a:endParaRPr lang="en-US" altLang="zh-CN" dirty="0"/>
           </a:p>
@@ -1419,50 +1419,7 @@
                 <a:ea typeface="宋体" panose="02010600030101010101" pitchFamily="2" charset="-122"/>
                 <a:cs typeface="Arial" panose="020B0604020202020204" pitchFamily="34" charset="0"/>
               </a:rPr>
-              <a:t>{Frequency Range}GHz</a:t>
-            </a:r>
-          </a:p>
-        </p:txBody>
-      </p:sp>
-      <p:sp>
-        <p:nvSpPr>
-          <p:cNvPr id="14" name="文本框 13">
-            <a:extLst>
-              <a:ext uri="{FF2B5EF4-FFF2-40B4-BE49-F238E27FC236}">
-                <a16:creationId xmlns:a16="http://schemas.microsoft.com/office/drawing/2014/main" id="{D672F8E8-C6E9-4DC2-876C-D956C131E244}"/>
-              </a:ext>
-            </a:extLst>
-          </p:cNvPr>
-          <p:cNvSpPr txBox="1"/>
-          <p:nvPr userDrawn="1"/>
-        </p:nvSpPr>
-        <p:spPr>
-          <a:xfrm>
-            <a:off x="7257670" y="1366942"/>
-            <a:ext cx="420115" cy="998756"/>
-          </a:xfrm>
-          <a:prstGeom prst="rect">
-            <a:avLst/>
-          </a:prstGeom>
-          <a:solidFill>
-            <a:srgbClr val="FF6600"/>
-          </a:solidFill>
-        </p:spPr>
-        <p:txBody>
-          <a:bodyPr vert="eaVert" wrap="square" rtlCol="0">
-            <a:spAutoFit/>
-          </a:bodyPr>
-          <a:lstStyle/>
-          <a:p>
-            <a:r>
-              <a:rPr lang="en-US" sz="1530" b="1" dirty="0">
-                <a:solidFill>
-                  <a:schemeClr val="bg1"/>
-                </a:solidFill>
-                <a:uFillTx/>
-                <a:sym typeface="+mn-ea"/>
-              </a:rPr>
-              <a:t>   {R PN}</a:t>
+              <a:t>{Frequency Range}</a:t>
             </a:r>
           </a:p>
         </p:txBody>
@@ -1513,7 +1470,7 @@
               <a:defRPr/>
             </a:pPr>
             <a:r>
-              <a:rPr lang="en-US" sz="1600" b="1" kern="1200">
+              <a:rPr lang="en-US" sz="1600" b="1" kern="1200" dirty="0">
                 <a:solidFill>
                   <a:schemeClr val="bg1"/>
                 </a:solidFill>
@@ -1525,16 +1482,6 @@
               </a:rPr>
               <a:t>{right bar info}</a:t>
             </a:r>
-            <a:endParaRPr lang="en-US" sz="1600" b="1" kern="1200" dirty="0">
-              <a:solidFill>
-                <a:schemeClr val="bg1"/>
-              </a:solidFill>
-              <a:uFillTx/>
-              <a:latin typeface="Arial" panose="020B0604020202020204" pitchFamily="34" charset="0"/>
-              <a:ea typeface="宋体" panose="02010600030101010101" pitchFamily="2" charset="-122"/>
-              <a:cs typeface="Arial" panose="020B0604020202020204" pitchFamily="34" charset="0"/>
-              <a:sym typeface="+mn-ea"/>
-            </a:endParaRPr>
           </a:p>
         </p:txBody>
       </p:sp>
@@ -1572,6 +1519,49 @@
               <a:t>     {Top PN}</a:t>
             </a:r>
             <a:endParaRPr lang="zh-CN" altLang="en-US" sz="1800" b="1" dirty="0"/>
+          </a:p>
+        </p:txBody>
+      </p:sp>
+      <p:sp>
+        <p:nvSpPr>
+          <p:cNvPr id="5" name="文本框 4">
+            <a:extLst>
+              <a:ext uri="{FF2B5EF4-FFF2-40B4-BE49-F238E27FC236}">
+                <a16:creationId xmlns:a16="http://schemas.microsoft.com/office/drawing/2014/main" id="{B4E7D0D8-FED7-4595-8255-7845ECE3C506}"/>
+              </a:ext>
+            </a:extLst>
+          </p:cNvPr>
+          <p:cNvSpPr txBox="1"/>
+          <p:nvPr userDrawn="1"/>
+        </p:nvSpPr>
+        <p:spPr>
+          <a:xfrm>
+            <a:off x="7257302" y="1479638"/>
+            <a:ext cx="430887" cy="741550"/>
+          </a:xfrm>
+          <a:prstGeom prst="rect">
+            <a:avLst/>
+          </a:prstGeom>
+          <a:noFill/>
+        </p:spPr>
+        <p:txBody>
+          <a:bodyPr vert="eaVert" wrap="none" rtlCol="0">
+            <a:spAutoFit/>
+          </a:bodyPr>
+          <a:lstStyle/>
+          <a:p>
+            <a:pPr algn="ctr"/>
+            <a:r>
+              <a:rPr lang="en-US" altLang="zh-CN" sz="1600" b="1" dirty="0">
+                <a:solidFill>
+                  <a:schemeClr val="bg1"/>
+                </a:solidFill>
+                <a:uFillTx/>
+                <a:sym typeface="+mn-ea"/>
+              </a:rPr>
+              <a:t>{R PN}</a:t>
+            </a:r>
+            <a:endParaRPr lang="zh-CN" altLang="en-US" sz="1600" dirty="0"/>
           </a:p>
         </p:txBody>
       </p:sp>
